--- a/Physics Project Presentation.pptx
+++ b/Physics Project Presentation.pptx
@@ -113,6 +113,11 @@
       </a:defRPr>
     </a:lvl9pPr>
   </p:defaultTextStyle>
+  <p:extLst>
+    <p:ext uri="{EFAFB233-063F-42B5-8137-9DF3F51BA10A}">
+      <p15:sldGuideLst xmlns:p15="http://schemas.microsoft.com/office/powerpoint/2012/main"/>
+    </p:ext>
+  </p:extLst>
 </p:presentation>
 </file>
 
@@ -6193,7 +6198,10 @@
           <a:bodyPr/>
           <a:lstStyle/>
           <a:p>
-            <a:endParaRPr lang="en-US"/>
+            <a:r>
+              <a:rPr lang="en-US" dirty="0"/>
+              <a:t>Kristopher Keller</a:t>
+            </a:r>
           </a:p>
         </p:txBody>
       </p:sp>
@@ -6218,7 +6226,28 @@
           <a:bodyPr/>
           <a:lstStyle/>
           <a:p>
-            <a:endParaRPr lang="en-US"/>
+            <a:pPr marL="342900" indent="-342900">
+              <a:buFont typeface="Arial" panose="020B0604020202020204" pitchFamily="34" charset="0"/>
+              <a:buChar char="•"/>
+            </a:pPr>
+            <a:r>
+              <a:rPr lang="en-US" dirty="0"/>
+              <a:t>Worked on player script, fight player script, cannon script, cannonball script, and camera controller script.</a:t>
+            </a:r>
+          </a:p>
+          <a:p>
+            <a:pPr marL="342900" indent="-342900">
+              <a:buFont typeface="Arial" panose="020B0604020202020204" pitchFamily="34" charset="0"/>
+              <a:buChar char="•"/>
+            </a:pPr>
+            <a:r>
+              <a:rPr lang="en-US" dirty="0"/>
+              <a:t>Worked on temporary art that is not to be in the </a:t>
+            </a:r>
+            <a:r>
+              <a:rPr lang="en-US"/>
+              <a:t>full release of the game.</a:t>
+            </a:r>
           </a:p>
         </p:txBody>
       </p:sp>

--- a/Physics Project Presentation.pptx
+++ b/Physics Project Presentation.pptx
@@ -242,7 +242,7 @@
         </pc:sldMkLst>
       </pc:sldChg>
       <pc:sldChg chg="add">
-        <pc:chgData name="daniel rice" userId="95116bc91be2a8f4" providerId="LiveId" clId="{D6DF991D-8C70-4127-A374-548879EAFA5A}" dt="2018-07-12T20:52:22.123" v="49"/>
+        <pc:chgData name="daniel rice" userId="95116bc91be2a8f4" providerId="LiveId" clId="{D6DF991D-8C70-4127-A374-548879EAFA5A}" dt="2018-07-12T20:52:22.123" v="49" actId="20577"/>
         <pc:sldMkLst>
           <pc:docMk/>
           <pc:sldMk cId="1232972606" sldId="260"/>
@@ -263,7 +263,7 @@
         </pc:sldMkLst>
       </pc:sldChg>
       <pc:sldChg chg="add">
-        <pc:chgData name="daniel rice" userId="95116bc91be2a8f4" providerId="LiveId" clId="{D6DF991D-8C70-4127-A374-548879EAFA5A}" dt="2018-07-12T20:52:25.220" v="50"/>
+        <pc:chgData name="daniel rice" userId="95116bc91be2a8f4" providerId="LiveId" clId="{D6DF991D-8C70-4127-A374-548879EAFA5A}" dt="2018-07-12T20:52:25.220" v="50" actId="20577"/>
         <pc:sldMkLst>
           <pc:docMk/>
           <pc:sldMk cId="4024005457" sldId="261"/>
@@ -300,21 +300,21 @@
         </pc:spChg>
       </pc:sldChg>
       <pc:sldChg chg="add">
-        <pc:chgData name="daniel rice" userId="95116bc91be2a8f4" providerId="LiveId" clId="{D6DF991D-8C70-4127-A374-548879EAFA5A}" dt="2018-07-12T20:52:27.466" v="52"/>
+        <pc:chgData name="daniel rice" userId="95116bc91be2a8f4" providerId="LiveId" clId="{D6DF991D-8C70-4127-A374-548879EAFA5A}" dt="2018-07-12T20:52:27.466" v="52" actId="20577"/>
         <pc:sldMkLst>
           <pc:docMk/>
           <pc:sldMk cId="1443154852" sldId="263"/>
         </pc:sldMkLst>
       </pc:sldChg>
       <pc:sldChg chg="add">
-        <pc:chgData name="daniel rice" userId="95116bc91be2a8f4" providerId="LiveId" clId="{D6DF991D-8C70-4127-A374-548879EAFA5A}" dt="2018-07-12T20:52:28.638" v="53"/>
+        <pc:chgData name="daniel rice" userId="95116bc91be2a8f4" providerId="LiveId" clId="{D6DF991D-8C70-4127-A374-548879EAFA5A}" dt="2018-07-12T20:52:28.638" v="53" actId="20577"/>
         <pc:sldMkLst>
           <pc:docMk/>
           <pc:sldMk cId="2782455869" sldId="264"/>
         </pc:sldMkLst>
       </pc:sldChg>
       <pc:sldChg chg="add">
-        <pc:chgData name="daniel rice" userId="95116bc91be2a8f4" providerId="LiveId" clId="{D6DF991D-8C70-4127-A374-548879EAFA5A}" dt="2018-07-12T20:52:29.698" v="54"/>
+        <pc:chgData name="daniel rice" userId="95116bc91be2a8f4" providerId="LiveId" clId="{D6DF991D-8C70-4127-A374-548879EAFA5A}" dt="2018-07-12T20:52:29.698" v="54" actId="20577"/>
         <pc:sldMkLst>
           <pc:docMk/>
           <pc:sldMk cId="680784146" sldId="265"/>
@@ -5634,16 +5634,19 @@
           <a:bodyPr/>
           <a:lstStyle/>
           <a:p>
-            <a:endParaRPr lang="en-US"/>
-          </a:p>
-        </p:txBody>
-      </p:sp>
-      <p:sp>
-        <p:nvSpPr>
-          <p:cNvPr id="3" name="Subtitle 2">
+            <a:r>
+              <a:rPr lang="en-US" dirty="0"/>
+              <a:t>James Reilly</a:t>
+            </a:r>
+          </a:p>
+        </p:txBody>
+      </p:sp>
+      <p:sp>
+        <p:nvSpPr>
+          <p:cNvPr id="5" name="Subtitle 4">
             <a:extLst>
               <a:ext uri="{FF2B5EF4-FFF2-40B4-BE49-F238E27FC236}">
-                <a16:creationId xmlns:a16="http://schemas.microsoft.com/office/drawing/2014/main" id="{1950CA49-F5E7-4E53-8708-BFF854655A6C}"/>
+                <a16:creationId xmlns:a16="http://schemas.microsoft.com/office/drawing/2014/main" id="{5817F901-D2CD-4DA0-BD5B-272820C8F06F}"/>
               </a:ext>
             </a:extLst>
           </p:cNvPr>
@@ -5659,7 +5662,42 @@
           <a:bodyPr/>
           <a:lstStyle/>
           <a:p>
-            <a:endParaRPr lang="en-US"/>
+            <a:pPr marL="342900" indent="-342900">
+              <a:buFont typeface="Arial" panose="020B0604020202020204" pitchFamily="34" charset="0"/>
+              <a:buChar char="•"/>
+            </a:pPr>
+            <a:r>
+              <a:rPr lang="en-US" dirty="0"/>
+              <a:t>Player Movement</a:t>
+            </a:r>
+          </a:p>
+          <a:p>
+            <a:pPr marL="342900" indent="-342900">
+              <a:buFont typeface="Arial" panose="020B0604020202020204" pitchFamily="34" charset="0"/>
+              <a:buChar char="•"/>
+            </a:pPr>
+            <a:r>
+              <a:rPr lang="en-US" dirty="0"/>
+              <a:t>Player related bugs</a:t>
+            </a:r>
+          </a:p>
+          <a:p>
+            <a:pPr marL="342900" indent="-342900">
+              <a:buFont typeface="Arial" panose="020B0604020202020204" pitchFamily="34" charset="0"/>
+              <a:buChar char="•"/>
+            </a:pPr>
+            <a:r>
+              <a:rPr lang="en-US" dirty="0" err="1"/>
+              <a:t>Yarr</a:t>
+            </a:r>
+            <a:endParaRPr lang="en-US" dirty="0"/>
+          </a:p>
+          <a:p>
+            <a:pPr marL="342900" indent="-342900">
+              <a:buFont typeface="Arial" panose="020B0604020202020204" pitchFamily="34" charset="0"/>
+              <a:buChar char="•"/>
+            </a:pPr>
+            <a:endParaRPr lang="en-US" dirty="0"/>
           </a:p>
         </p:txBody>
       </p:sp>

--- a/Physics Project Presentation.pptx
+++ b/Physics Project Presentation.pptx
@@ -6340,7 +6340,15 @@
           <a:bodyPr/>
           <a:lstStyle/>
           <a:p>
-            <a:endParaRPr lang="en-US"/>
+            <a:r>
+              <a:rPr lang="en-US" dirty="0"/>
+              <a:t>Nicholas </a:t>
+            </a:r>
+            <a:r>
+              <a:rPr lang="en-US" dirty="0" err="1"/>
+              <a:t>Callender</a:t>
+            </a:r>
+            <a:endParaRPr lang="en-US" dirty="0"/>
           </a:p>
         </p:txBody>
       </p:sp>
@@ -6365,7 +6373,42 @@
           <a:bodyPr/>
           <a:lstStyle/>
           <a:p>
-            <a:endParaRPr lang="en-US"/>
+            <a:pPr marL="342900" indent="-342900">
+              <a:buFont typeface="Arial" panose="020B0604020202020204" pitchFamily="34" charset="0"/>
+              <a:buChar char="•"/>
+            </a:pPr>
+            <a:r>
+              <a:rPr lang="en-US" dirty="0"/>
+              <a:t>Art Designer</a:t>
+            </a:r>
+          </a:p>
+          <a:p>
+            <a:pPr marL="342900" indent="-342900">
+              <a:buFont typeface="Arial" panose="020B0604020202020204" pitchFamily="34" charset="0"/>
+              <a:buChar char="•"/>
+            </a:pPr>
+            <a:r>
+              <a:rPr lang="en-US" dirty="0"/>
+              <a:t>Proposed the Game</a:t>
+            </a:r>
+          </a:p>
+          <a:p>
+            <a:pPr marL="342900" indent="-342900">
+              <a:buFont typeface="Arial" panose="020B0604020202020204" pitchFamily="34" charset="0"/>
+              <a:buChar char="•"/>
+            </a:pPr>
+            <a:r>
+              <a:rPr lang="en-US"/>
+              <a:t>Story Boarding</a:t>
+            </a:r>
+            <a:endParaRPr lang="en-US" dirty="0"/>
+          </a:p>
+          <a:p>
+            <a:pPr marL="342900" indent="-342900">
+              <a:buFont typeface="Arial" panose="020B0604020202020204" pitchFamily="34" charset="0"/>
+              <a:buChar char="•"/>
+            </a:pPr>
+            <a:endParaRPr lang="en-US" dirty="0"/>
           </a:p>
         </p:txBody>
       </p:sp>

--- a/Physics Project Presentation.pptx
+++ b/Physics Project Presentation.pptx
@@ -5863,7 +5863,15 @@
           <a:bodyPr/>
           <a:lstStyle/>
           <a:p>
-            <a:endParaRPr lang="en-US"/>
+            <a:r>
+              <a:rPr lang="en-US" dirty="0"/>
+              <a:t>Captain Reilly Jr., son of Captain Reilly Sr., followed his father’s pirate career. His whole life revolved around escaping poverty after his father plundered the </a:t>
+            </a:r>
+            <a:r>
+              <a:rPr lang="en-US"/>
+              <a:t>wrong ship. </a:t>
+            </a:r>
+            <a:endParaRPr lang="en-US" dirty="0"/>
           </a:p>
         </p:txBody>
       </p:sp>
